--- a/specification/v1.2.0-rc/OSDM-an-introduction-v1.2.0.pptx
+++ b/specification/v1.2.0-rc/OSDM-an-introduction-v1.2.0.pptx
@@ -12663,10 +12663,10 @@
       </p:sp>
       <p:pic>
         <p:nvPicPr>
-          <p:cNvPr id="6" name="Grafik 5">
+          <p:cNvPr id="8" name="Grafik 7">
             <a:extLst>
               <a:ext uri="{FF2B5EF4-FFF2-40B4-BE49-F238E27FC236}">
-                <a16:creationId xmlns:a16="http://schemas.microsoft.com/office/drawing/2014/main" id="{ECD09166-623D-4682-94CA-0FAD5B12CC5B}"/>
+                <a16:creationId xmlns:a16="http://schemas.microsoft.com/office/drawing/2014/main" id="{CBB43F8B-A2EE-4EEF-8662-C1B6697F3927}"/>
               </a:ext>
             </a:extLst>
           </p:cNvPr>
@@ -12683,404 +12683,14 @@
         </p:blipFill>
         <p:spPr>
           <a:xfrm>
-            <a:off x="528637" y="2574025"/>
-            <a:ext cx="8086725" cy="3676650"/>
+            <a:off x="558251" y="1387475"/>
+            <a:ext cx="8143875" cy="4638675"/>
           </a:xfrm>
           <a:prstGeom prst="rect">
             <a:avLst/>
           </a:prstGeom>
         </p:spPr>
       </p:pic>
-      <p:sp>
-        <p:nvSpPr>
-          <p:cNvPr id="3" name="Textfeld 2">
-            <a:extLst>
-              <a:ext uri="{FF2B5EF4-FFF2-40B4-BE49-F238E27FC236}">
-                <a16:creationId xmlns:a16="http://schemas.microsoft.com/office/drawing/2014/main" id="{9B235C9C-0921-46DC-BE22-DD68C2B51E61}"/>
-              </a:ext>
-            </a:extLst>
-          </p:cNvPr>
-          <p:cNvSpPr txBox="1"/>
-          <p:nvPr/>
-        </p:nvSpPr>
-        <p:spPr>
-          <a:xfrm>
-            <a:off x="1852706" y="1657088"/>
-            <a:ext cx="2426447" cy="553998"/>
-          </a:xfrm>
-          <a:prstGeom prst="rect">
-            <a:avLst/>
-          </a:prstGeom>
-          <a:noFill/>
-        </p:spPr>
-        <p:txBody>
-          <a:bodyPr wrap="square" rtlCol="0">
-            <a:spAutoFit/>
-          </a:bodyPr>
-          <a:lstStyle/>
-          <a:p>
-            <a:r>
-              <a:rPr lang="de-CH" sz="1000" dirty="0"/>
-              <a:t>Input </a:t>
-            </a:r>
-            <a:r>
-              <a:rPr lang="de-CH" sz="1000" dirty="0" err="1"/>
-              <a:t>needed</a:t>
-            </a:r>
-            <a:r>
-              <a:rPr lang="de-CH" sz="1000" dirty="0"/>
-              <a:t> </a:t>
-            </a:r>
-            <a:r>
-              <a:rPr lang="de-CH" sz="1000" dirty="0" err="1"/>
-              <a:t>by</a:t>
-            </a:r>
-            <a:endParaRPr lang="de-CH" sz="1000" dirty="0"/>
-          </a:p>
-          <a:p>
-            <a:pPr marL="171450" indent="-171450">
-              <a:buFont typeface="Arial" panose="020B0604020202020204" pitchFamily="34" charset="0"/>
-              <a:buChar char="•"/>
-            </a:pPr>
-            <a:r>
-              <a:rPr lang="de-CH" sz="1000" dirty="0"/>
-              <a:t>PES </a:t>
-            </a:r>
-            <a:r>
-              <a:rPr lang="de-CH" sz="1000" dirty="0" err="1"/>
-              <a:t>for</a:t>
-            </a:r>
-            <a:r>
-              <a:rPr lang="de-CH" sz="1000" dirty="0"/>
-              <a:t> RUs</a:t>
-            </a:r>
-          </a:p>
-          <a:p>
-            <a:pPr marL="171450" indent="-171450">
-              <a:buFont typeface="Arial" panose="020B0604020202020204" pitchFamily="34" charset="0"/>
-              <a:buChar char="•"/>
-            </a:pPr>
-            <a:r>
-              <a:rPr lang="de-CH" sz="1000" dirty="0"/>
-              <a:t>ETT/</a:t>
-            </a:r>
-            <a:r>
-              <a:rPr lang="de-CH" sz="1000" dirty="0" err="1"/>
-              <a:t>Ectaa</a:t>
-            </a:r>
-            <a:r>
-              <a:rPr lang="de-CH" sz="1000" dirty="0"/>
-              <a:t> </a:t>
-            </a:r>
-            <a:r>
-              <a:rPr lang="de-CH" sz="1000" dirty="0" err="1"/>
-              <a:t>for</a:t>
-            </a:r>
-            <a:r>
-              <a:rPr lang="de-CH" sz="1000" dirty="0"/>
-              <a:t> 3rd </a:t>
-            </a:r>
-            <a:r>
-              <a:rPr lang="de-CH" sz="1000" dirty="0" err="1"/>
-              <a:t>party</a:t>
-            </a:r>
-            <a:r>
-              <a:rPr lang="de-CH" sz="1000" dirty="0"/>
-              <a:t> </a:t>
-            </a:r>
-            <a:r>
-              <a:rPr lang="de-CH" sz="1000" dirty="0" err="1"/>
-              <a:t>distributors</a:t>
-            </a:r>
-            <a:r>
-              <a:rPr lang="de-CH" sz="1000" dirty="0"/>
-              <a:t> </a:t>
-            </a:r>
-            <a:endParaRPr lang="de-CH" sz="1200" dirty="0"/>
-          </a:p>
-        </p:txBody>
-      </p:sp>
-      <p:cxnSp>
-        <p:nvCxnSpPr>
-          <p:cNvPr id="7" name="Verbinder: gewinkelt 6">
-            <a:extLst>
-              <a:ext uri="{FF2B5EF4-FFF2-40B4-BE49-F238E27FC236}">
-                <a16:creationId xmlns:a16="http://schemas.microsoft.com/office/drawing/2014/main" id="{4CDBA31F-6D84-4E48-BF57-26D01222C4EB}"/>
-              </a:ext>
-            </a:extLst>
-          </p:cNvPr>
-          <p:cNvCxnSpPr>
-            <a:cxnSpLocks/>
-          </p:cNvCxnSpPr>
-          <p:nvPr/>
-        </p:nvCxnSpPr>
-        <p:spPr>
-          <a:xfrm rot="16200000" flipV="1">
-            <a:off x="2101078" y="2376027"/>
-            <a:ext cx="451104" cy="235495"/>
-          </a:xfrm>
-          <a:prstGeom prst="bentConnector3">
-            <a:avLst>
-              <a:gd name="adj1" fmla="val -66"/>
-            </a:avLst>
-          </a:prstGeom>
-          <a:ln>
-            <a:tailEnd type="triangle"/>
-          </a:ln>
-        </p:spPr>
-        <p:style>
-          <a:lnRef idx="1">
-            <a:schemeClr val="accent1"/>
-          </a:lnRef>
-          <a:fillRef idx="0">
-            <a:schemeClr val="accent1"/>
-          </a:fillRef>
-          <a:effectRef idx="0">
-            <a:schemeClr val="accent1"/>
-          </a:effectRef>
-          <a:fontRef idx="minor">
-            <a:schemeClr val="tx1"/>
-          </a:fontRef>
-        </p:style>
-      </p:cxnSp>
-      <p:cxnSp>
-        <p:nvCxnSpPr>
-          <p:cNvPr id="13" name="Verbinder: gewinkelt 12">
-            <a:extLst>
-              <a:ext uri="{FF2B5EF4-FFF2-40B4-BE49-F238E27FC236}">
-                <a16:creationId xmlns:a16="http://schemas.microsoft.com/office/drawing/2014/main" id="{41AA745F-C58A-41C8-937A-822BD64BA849}"/>
-              </a:ext>
-            </a:extLst>
-          </p:cNvPr>
-          <p:cNvCxnSpPr>
-            <a:cxnSpLocks/>
-          </p:cNvCxnSpPr>
-          <p:nvPr/>
-        </p:nvCxnSpPr>
-        <p:spPr>
-          <a:xfrm rot="5400000">
-            <a:off x="3255338" y="2300546"/>
-            <a:ext cx="433517" cy="382025"/>
-          </a:xfrm>
-          <a:prstGeom prst="bentConnector3">
-            <a:avLst>
-              <a:gd name="adj1" fmla="val 98284"/>
-            </a:avLst>
-          </a:prstGeom>
-          <a:ln>
-            <a:tailEnd type="triangle"/>
-          </a:ln>
-        </p:spPr>
-        <p:style>
-          <a:lnRef idx="1">
-            <a:schemeClr val="accent1"/>
-          </a:lnRef>
-          <a:fillRef idx="0">
-            <a:schemeClr val="accent1"/>
-          </a:fillRef>
-          <a:effectRef idx="0">
-            <a:schemeClr val="accent1"/>
-          </a:effectRef>
-          <a:fontRef idx="minor">
-            <a:schemeClr val="tx1"/>
-          </a:fontRef>
-        </p:style>
-      </p:cxnSp>
-      <p:sp>
-        <p:nvSpPr>
-          <p:cNvPr id="29" name="Textfeld 28">
-            <a:extLst>
-              <a:ext uri="{FF2B5EF4-FFF2-40B4-BE49-F238E27FC236}">
-                <a16:creationId xmlns:a16="http://schemas.microsoft.com/office/drawing/2014/main" id="{0151E1DC-1C3E-466E-906D-8D83BABCA290}"/>
-              </a:ext>
-            </a:extLst>
-          </p:cNvPr>
-          <p:cNvSpPr txBox="1"/>
-          <p:nvPr/>
-        </p:nvSpPr>
-        <p:spPr>
-          <a:xfrm>
-            <a:off x="5946588" y="1657088"/>
-            <a:ext cx="2360706" cy="553998"/>
-          </a:xfrm>
-          <a:prstGeom prst="rect">
-            <a:avLst/>
-          </a:prstGeom>
-          <a:noFill/>
-        </p:spPr>
-        <p:txBody>
-          <a:bodyPr wrap="square" rtlCol="0">
-            <a:spAutoFit/>
-          </a:bodyPr>
-          <a:lstStyle/>
-          <a:p>
-            <a:r>
-              <a:rPr lang="de-CH" sz="1000" dirty="0" err="1"/>
-              <a:t>Endorsement</a:t>
-            </a:r>
-            <a:r>
-              <a:rPr lang="de-CH" sz="1000" dirty="0"/>
-              <a:t> </a:t>
-            </a:r>
-            <a:r>
-              <a:rPr lang="de-CH" sz="1000" dirty="0" err="1"/>
-              <a:t>needed</a:t>
-            </a:r>
-            <a:r>
-              <a:rPr lang="de-CH" sz="1000" dirty="0"/>
-              <a:t> </a:t>
-            </a:r>
-            <a:r>
-              <a:rPr lang="de-CH" sz="1000" dirty="0" err="1"/>
-              <a:t>by</a:t>
-            </a:r>
-            <a:endParaRPr lang="de-CH" sz="1000" dirty="0"/>
-          </a:p>
-          <a:p>
-            <a:pPr marL="171450" indent="-171450">
-              <a:buFont typeface="Arial" panose="020B0604020202020204" pitchFamily="34" charset="0"/>
-              <a:buChar char="•"/>
-            </a:pPr>
-            <a:r>
-              <a:rPr lang="de-CH" sz="1000" dirty="0"/>
-              <a:t>PES </a:t>
-            </a:r>
-            <a:r>
-              <a:rPr lang="de-CH" sz="1000" dirty="0" err="1"/>
-              <a:t>for</a:t>
-            </a:r>
-            <a:r>
-              <a:rPr lang="de-CH" sz="1000" dirty="0"/>
-              <a:t> RUs</a:t>
-            </a:r>
-          </a:p>
-          <a:p>
-            <a:pPr marL="171450" indent="-171450">
-              <a:buFont typeface="Arial" panose="020B0604020202020204" pitchFamily="34" charset="0"/>
-              <a:buChar char="•"/>
-            </a:pPr>
-            <a:r>
-              <a:rPr lang="de-CH" sz="1000" dirty="0"/>
-              <a:t>ETT/</a:t>
-            </a:r>
-            <a:r>
-              <a:rPr lang="de-CH" sz="1000" dirty="0" err="1"/>
-              <a:t>Ectaa</a:t>
-            </a:r>
-            <a:r>
-              <a:rPr lang="de-CH" sz="1000" dirty="0"/>
-              <a:t> </a:t>
-            </a:r>
-            <a:r>
-              <a:rPr lang="de-CH" sz="1000" dirty="0" err="1"/>
-              <a:t>for</a:t>
-            </a:r>
-            <a:r>
-              <a:rPr lang="de-CH" sz="1000" dirty="0"/>
-              <a:t> 3rd </a:t>
-            </a:r>
-            <a:r>
-              <a:rPr lang="de-CH" sz="1000" dirty="0" err="1"/>
-              <a:t>party</a:t>
-            </a:r>
-            <a:r>
-              <a:rPr lang="de-CH" sz="1000" dirty="0"/>
-              <a:t> </a:t>
-            </a:r>
-            <a:r>
-              <a:rPr lang="de-CH" sz="1000" dirty="0" err="1"/>
-              <a:t>distributors</a:t>
-            </a:r>
-            <a:endParaRPr lang="de-CH" sz="1200" dirty="0"/>
-          </a:p>
-        </p:txBody>
-      </p:sp>
-      <p:cxnSp>
-        <p:nvCxnSpPr>
-          <p:cNvPr id="30" name="Verbinder: gewinkelt 29">
-            <a:extLst>
-              <a:ext uri="{FF2B5EF4-FFF2-40B4-BE49-F238E27FC236}">
-                <a16:creationId xmlns:a16="http://schemas.microsoft.com/office/drawing/2014/main" id="{B833751D-E7C8-4A72-A7EB-0C517119B577}"/>
-              </a:ext>
-            </a:extLst>
-          </p:cNvPr>
-          <p:cNvCxnSpPr>
-            <a:cxnSpLocks/>
-          </p:cNvCxnSpPr>
-          <p:nvPr/>
-        </p:nvCxnSpPr>
-        <p:spPr>
-          <a:xfrm rot="16200000" flipV="1">
-            <a:off x="6291872" y="2404036"/>
-            <a:ext cx="451104" cy="235495"/>
-          </a:xfrm>
-          <a:prstGeom prst="bentConnector3">
-            <a:avLst>
-              <a:gd name="adj1" fmla="val -66"/>
-            </a:avLst>
-          </a:prstGeom>
-          <a:ln>
-            <a:tailEnd type="triangle"/>
-          </a:ln>
-        </p:spPr>
-        <p:style>
-          <a:lnRef idx="1">
-            <a:schemeClr val="accent1"/>
-          </a:lnRef>
-          <a:fillRef idx="0">
-            <a:schemeClr val="accent1"/>
-          </a:fillRef>
-          <a:effectRef idx="0">
-            <a:schemeClr val="accent1"/>
-          </a:effectRef>
-          <a:fontRef idx="minor">
-            <a:schemeClr val="tx1"/>
-          </a:fontRef>
-        </p:style>
-      </p:cxnSp>
-      <p:cxnSp>
-        <p:nvCxnSpPr>
-          <p:cNvPr id="31" name="Verbinder: gewinkelt 30">
-            <a:extLst>
-              <a:ext uri="{FF2B5EF4-FFF2-40B4-BE49-F238E27FC236}">
-                <a16:creationId xmlns:a16="http://schemas.microsoft.com/office/drawing/2014/main" id="{AE26474C-7057-4A29-8815-2927BA055069}"/>
-              </a:ext>
-            </a:extLst>
-          </p:cNvPr>
-          <p:cNvCxnSpPr>
-            <a:cxnSpLocks/>
-          </p:cNvCxnSpPr>
-          <p:nvPr/>
-        </p:nvCxnSpPr>
-        <p:spPr>
-          <a:xfrm rot="5400000">
-            <a:off x="7446132" y="2339565"/>
-            <a:ext cx="433517" cy="382025"/>
-          </a:xfrm>
-          <a:prstGeom prst="bentConnector3">
-            <a:avLst>
-              <a:gd name="adj1" fmla="val 98284"/>
-            </a:avLst>
-          </a:prstGeom>
-          <a:ln>
-            <a:tailEnd type="triangle"/>
-          </a:ln>
-        </p:spPr>
-        <p:style>
-          <a:lnRef idx="1">
-            <a:schemeClr val="accent1"/>
-          </a:lnRef>
-          <a:fillRef idx="0">
-            <a:schemeClr val="accent1"/>
-          </a:fillRef>
-          <a:effectRef idx="0">
-            <a:schemeClr val="accent1"/>
-          </a:effectRef>
-          <a:fontRef idx="minor">
-            <a:schemeClr val="tx1"/>
-          </a:fontRef>
-        </p:style>
-      </p:cxnSp>
     </p:spTree>
     <p:extLst>
       <p:ext uri="{BB962C8B-B14F-4D97-AF65-F5344CB8AC3E}">
@@ -15973,8 +15583,8 @@
         </p:nvSpPr>
         <p:spPr>
           <a:xfrm>
-            <a:off x="2618771" y="3557717"/>
-            <a:ext cx="5098676" cy="1708160"/>
+            <a:off x="2637203" y="3389279"/>
+            <a:ext cx="5098676" cy="2008242"/>
           </a:xfrm>
           <a:prstGeom prst="rect">
             <a:avLst/>
@@ -15992,7 +15602,7 @@
                 <a:latin typeface="+mn-lt"/>
                 <a:cs typeface="Calibri" panose="020F0502020204030204" pitchFamily="34" charset="0"/>
               </a:rPr>
-              <a:t>Scope Short List for PI-2</a:t>
+              <a:t>Scope List for PI-2</a:t>
             </a:r>
           </a:p>
           <a:p>
@@ -16001,39 +15611,82 @@
               <a:buChar char="•"/>
             </a:pPr>
             <a:r>
-              <a:rPr lang="en-US" sz="1050" dirty="0">
-                <a:latin typeface="+mn-lt"/>
-                <a:cs typeface="Calibri" panose="020F0502020204030204" pitchFamily="34" charset="0"/>
+              <a:rPr lang="de-CH" sz="1050" dirty="0">
+                <a:hlinkClick r:id="rId3"/>
               </a:rPr>
-              <a:t>Needs to be prioritized finally by business representatives from </a:t>
-            </a:r>
-            <a:r>
-              <a:rPr lang="en-US" sz="1050" b="1" dirty="0">
-                <a:latin typeface="+mn-lt"/>
-                <a:cs typeface="Calibri" panose="020F0502020204030204" pitchFamily="34" charset="0"/>
+              <a:t>I-16 Add support to </a:t>
+            </a:r>
+            <a:r>
+              <a:rPr lang="de-CH" sz="1050" dirty="0" err="1">
+                <a:hlinkClick r:id="rId3"/>
               </a:rPr>
-              <a:t>SPG</a:t>
-            </a:r>
-            <a:r>
-              <a:rPr lang="en-US" sz="1050" dirty="0">
-                <a:latin typeface="+mn-lt"/>
-                <a:cs typeface="Calibri" panose="020F0502020204030204" pitchFamily="34" charset="0"/>
+              <a:t>sell</a:t>
+            </a:r>
+            <a:r>
+              <a:rPr lang="de-CH" sz="1050" dirty="0">
+                <a:hlinkClick r:id="rId3"/>
               </a:rPr>
-              <a:t> and </a:t>
-            </a:r>
-            <a:r>
-              <a:rPr lang="en-US" sz="1050" b="1" dirty="0">
-                <a:latin typeface="+mn-lt"/>
-                <a:cs typeface="Calibri" panose="020F0502020204030204" pitchFamily="34" charset="0"/>
+              <a:t> non-</a:t>
+            </a:r>
+            <a:r>
+              <a:rPr lang="de-CH" sz="1050" dirty="0" err="1">
+                <a:hlinkClick r:id="rId3"/>
               </a:rPr>
-              <a:t>ETT</a:t>
-            </a:r>
-            <a:r>
-              <a:rPr lang="en-US" sz="1050" dirty="0">
-                <a:latin typeface="+mn-lt"/>
-                <a:cs typeface="Calibri" panose="020F0502020204030204" pitchFamily="34" charset="0"/>
+              <a:t>journey</a:t>
+            </a:r>
+            <a:r>
+              <a:rPr lang="de-CH" sz="1050" dirty="0">
+                <a:hlinkClick r:id="rId3"/>
               </a:rPr>
-              <a:t>!</a:t>
+              <a:t> </a:t>
+            </a:r>
+            <a:r>
+              <a:rPr lang="de-CH" sz="1050" dirty="0" err="1">
+                <a:hlinkClick r:id="rId3"/>
+              </a:rPr>
+              <a:t>based</a:t>
+            </a:r>
+            <a:r>
+              <a:rPr lang="de-CH" sz="1050" dirty="0">
+                <a:hlinkClick r:id="rId3"/>
+              </a:rPr>
+              <a:t> </a:t>
+            </a:r>
+            <a:r>
+              <a:rPr lang="de-CH" sz="1050" dirty="0" err="1">
+                <a:hlinkClick r:id="rId3"/>
+              </a:rPr>
+              <a:t>products</a:t>
+            </a:r>
+            <a:r>
+              <a:rPr lang="de-CH" sz="1050" dirty="0">
+                <a:hlinkClick r:id="rId3"/>
+              </a:rPr>
+              <a:t> (</a:t>
+            </a:r>
+            <a:r>
+              <a:rPr lang="de-CH" sz="1050" dirty="0" err="1">
+                <a:hlinkClick r:id="rId3"/>
+              </a:rPr>
+              <a:t>passes</a:t>
+            </a:r>
+            <a:r>
+              <a:rPr lang="de-CH" sz="1050" dirty="0">
+                <a:hlinkClick r:id="rId3"/>
+              </a:rPr>
+              <a:t>)</a:t>
+            </a:r>
+            <a:r>
+              <a:rPr lang="de-CH" sz="1050" dirty="0"/>
+              <a:t> (DB/</a:t>
+            </a:r>
+            <a:r>
+              <a:rPr lang="de-CH" sz="1050" dirty="0" err="1"/>
+              <a:t>öBB</a:t>
+            </a:r>
+            <a:r>
+              <a:rPr lang="de-CH" sz="1050" dirty="0"/>
+              <a:t>/SBB)</a:t>
             </a:r>
           </a:p>
           <a:p>
@@ -16042,19 +15695,72 @@
               <a:buChar char="•"/>
             </a:pPr>
             <a:r>
-              <a:rPr lang="en-US" sz="1050" dirty="0">
-                <a:latin typeface="+mn-lt"/>
-                <a:cs typeface="Calibri" panose="020F0502020204030204" pitchFamily="34" charset="0"/>
-                <a:hlinkClick r:id="rId3"/>
+              <a:rPr lang="de-CH" sz="1050" dirty="0">
+                <a:hlinkClick r:id="rId4"/>
               </a:rPr>
-              <a:t>I-26 Fares should be bundled in the offline data delivery (Offline-Only)</a:t>
-            </a:r>
-            <a:r>
-              <a:rPr lang="en-US" sz="1050" dirty="0">
-                <a:latin typeface="+mn-lt"/>
-                <a:cs typeface="Calibri" panose="020F0502020204030204" pitchFamily="34" charset="0"/>
+              <a:t>I-3 </a:t>
+            </a:r>
+            <a:r>
+              <a:rPr lang="de-CH" sz="1050" dirty="0" err="1">
+                <a:hlinkClick r:id="rId4"/>
               </a:rPr>
-              <a:t> (DB) [planned for end of February]</a:t>
+              <a:t>Complete</a:t>
+            </a:r>
+            <a:r>
+              <a:rPr lang="de-CH" sz="1050" dirty="0">
+                <a:hlinkClick r:id="rId4"/>
+              </a:rPr>
+              <a:t> support </a:t>
+            </a:r>
+            <a:r>
+              <a:rPr lang="de-CH" sz="1050" dirty="0" err="1">
+                <a:hlinkClick r:id="rId4"/>
+              </a:rPr>
+              <a:t>for</a:t>
+            </a:r>
+            <a:r>
+              <a:rPr lang="de-CH" sz="1050" dirty="0">
+                <a:hlinkClick r:id="rId4"/>
+              </a:rPr>
+              <a:t> partial </a:t>
+            </a:r>
+            <a:r>
+              <a:rPr lang="de-CH" sz="1050" dirty="0" err="1">
+                <a:hlinkClick r:id="rId4"/>
+              </a:rPr>
+              <a:t>refund</a:t>
+            </a:r>
+            <a:r>
+              <a:rPr lang="de-CH" sz="1050" dirty="0">
+                <a:hlinkClick r:id="rId4"/>
+              </a:rPr>
+              <a:t>/</a:t>
+            </a:r>
+            <a:r>
+              <a:rPr lang="de-CH" sz="1050" dirty="0" err="1">
+                <a:hlinkClick r:id="rId4"/>
+              </a:rPr>
+              <a:t>exchange</a:t>
+            </a:r>
+            <a:r>
+              <a:rPr lang="de-CH" sz="1050" dirty="0"/>
+              <a:t> (</a:t>
+            </a:r>
+            <a:r>
+              <a:rPr lang="de-CH" sz="1050" dirty="0" err="1"/>
+              <a:t>Trenitalia</a:t>
+            </a:r>
+            <a:r>
+              <a:rPr lang="de-CH" sz="1050" dirty="0"/>
+              <a:t>/SNCF/Amadeus/</a:t>
+            </a:r>
+            <a:r>
+              <a:rPr lang="de-CH" sz="1050" dirty="0" err="1"/>
+              <a:t>BeNe</a:t>
+            </a:r>
+            <a:r>
+              <a:rPr lang="de-CH" sz="1050" dirty="0"/>
+              <a:t>)</a:t>
             </a:r>
           </a:p>
           <a:p>
@@ -16063,33 +15769,50 @@
               <a:buChar char="•"/>
             </a:pPr>
             <a:r>
-              <a:rPr lang="en-US" sz="1050" dirty="0">
-                <a:latin typeface="+mn-lt"/>
-                <a:cs typeface="Calibri" panose="020F0502020204030204" pitchFamily="34" charset="0"/>
-                <a:hlinkClick r:id="rId4"/>
+              <a:rPr lang="de-CH" sz="1050" dirty="0">
+                <a:hlinkClick r:id="rId5"/>
               </a:rPr>
-              <a:t>I-3 Add support for partial refund/exchange</a:t>
-            </a:r>
-            <a:r>
-              <a:rPr lang="en-US" sz="1050" dirty="0">
-                <a:latin typeface="+mn-lt"/>
-                <a:cs typeface="Calibri" panose="020F0502020204030204" pitchFamily="34" charset="0"/>
+              <a:t>I-4 </a:t>
+            </a:r>
+            <a:r>
+              <a:rPr lang="de-CH" sz="1050" dirty="0" err="1">
+                <a:hlinkClick r:id="rId5"/>
               </a:rPr>
-              <a:t> (Trenitalia/SNCF/Amadeus/</a:t>
-            </a:r>
-            <a:r>
-              <a:rPr lang="en-US" sz="1050" dirty="0" err="1">
-                <a:latin typeface="+mn-lt"/>
-                <a:cs typeface="Calibri" panose="020F0502020204030204" pitchFamily="34" charset="0"/>
+              <a:t>Align</a:t>
+            </a:r>
+            <a:r>
+              <a:rPr lang="de-CH" sz="1050" dirty="0">
+                <a:hlinkClick r:id="rId5"/>
               </a:rPr>
-              <a:t>BeNe</a:t>
-            </a:r>
-            <a:r>
-              <a:rPr lang="en-US" sz="1050" dirty="0">
-                <a:latin typeface="+mn-lt"/>
-                <a:cs typeface="Calibri" panose="020F0502020204030204" pitchFamily="34" charset="0"/>
+              <a:t> /</a:t>
+            </a:r>
+            <a:r>
+              <a:rPr lang="de-CH" sz="1050" dirty="0" err="1">
+                <a:hlinkClick r:id="rId5"/>
               </a:rPr>
-              <a:t>)</a:t>
+              <a:t>locations</a:t>
+            </a:r>
+            <a:r>
+              <a:rPr lang="de-CH" sz="1050" dirty="0">
+                <a:hlinkClick r:id="rId5"/>
+              </a:rPr>
+              <a:t> and /</a:t>
+            </a:r>
+            <a:r>
+              <a:rPr lang="de-CH" sz="1050" dirty="0" err="1">
+                <a:hlinkClick r:id="rId5"/>
+              </a:rPr>
+              <a:t>trips</a:t>
+            </a:r>
+            <a:r>
+              <a:rPr lang="de-CH" sz="1050" dirty="0">
+                <a:hlinkClick r:id="rId5"/>
+              </a:rPr>
+              <a:t> to Transmodel (OJP)</a:t>
+            </a:r>
+            <a:r>
+              <a:rPr lang="de-CH" sz="1050" dirty="0"/>
+              <a:t> (SBB)</a:t>
             </a:r>
           </a:p>
           <a:p>
@@ -16098,35 +15821,40 @@
               <a:buChar char="•"/>
             </a:pPr>
             <a:r>
-              <a:rPr lang="en-US" sz="1050" dirty="0">
-                <a:latin typeface="+mn-lt"/>
-                <a:cs typeface="Calibri" panose="020F0502020204030204" pitchFamily="34" charset="0"/>
-                <a:hlinkClick r:id="rId5"/>
+              <a:rPr lang="de-CH" sz="1050" dirty="0">
+                <a:hlinkClick r:id="rId6"/>
               </a:rPr>
-              <a:t>I-4 Align /locations and /trips to </a:t>
-            </a:r>
-            <a:r>
-              <a:rPr lang="en-US" sz="1050" dirty="0" err="1">
-                <a:latin typeface="+mn-lt"/>
-                <a:cs typeface="Calibri" panose="020F0502020204030204" pitchFamily="34" charset="0"/>
-                <a:hlinkClick r:id="rId5"/>
+              <a:t>I-28 Add support to </a:t>
+            </a:r>
+            <a:r>
+              <a:rPr lang="de-CH" sz="1050" dirty="0" err="1">
+                <a:hlinkClick r:id="rId6"/>
               </a:rPr>
-              <a:t>Transmodel</a:t>
-            </a:r>
-            <a:r>
-              <a:rPr lang="en-US" sz="1050" dirty="0">
-                <a:latin typeface="+mn-lt"/>
-                <a:cs typeface="Calibri" panose="020F0502020204030204" pitchFamily="34" charset="0"/>
-                <a:hlinkClick r:id="rId5"/>
+              <a:t>query</a:t>
+            </a:r>
+            <a:r>
+              <a:rPr lang="de-CH" sz="1050" dirty="0">
+                <a:hlinkClick r:id="rId6"/>
               </a:rPr>
-              <a:t> (OJP)</a:t>
-            </a:r>
-            <a:r>
-              <a:rPr lang="en-US" sz="1050" dirty="0">
-                <a:latin typeface="+mn-lt"/>
-                <a:cs typeface="Calibri" panose="020F0502020204030204" pitchFamily="34" charset="0"/>
+              <a:t> </a:t>
+            </a:r>
+            <a:r>
+              <a:rPr lang="de-CH" sz="1050" dirty="0" err="1">
+                <a:hlinkClick r:id="rId6"/>
               </a:rPr>
-              <a:t> (SBB)</a:t>
+              <a:t>availabilities</a:t>
+            </a:r>
+            <a:r>
+              <a:rPr lang="de-CH" sz="1050" dirty="0"/>
+              <a:t> (</a:t>
+            </a:r>
+            <a:r>
+              <a:rPr lang="de-CH" sz="1050" dirty="0" err="1"/>
+              <a:t>Sqills</a:t>
+            </a:r>
+            <a:r>
+              <a:rPr lang="de-CH" sz="1050" dirty="0"/>
+              <a:t>/SBB/ÖBB/DB)</a:t>
             </a:r>
           </a:p>
           <a:p>
@@ -16135,33 +15863,68 @@
               <a:buChar char="•"/>
             </a:pPr>
             <a:r>
-              <a:rPr lang="en-US" sz="1050" dirty="0">
-                <a:latin typeface="+mn-lt"/>
-                <a:cs typeface="Calibri" panose="020F0502020204030204" pitchFamily="34" charset="0"/>
-                <a:hlinkClick r:id="rId6"/>
+              <a:rPr lang="de-CH" sz="1050" dirty="0">
+                <a:hlinkClick r:id="rId7"/>
               </a:rPr>
-              <a:t>I-16 Add support to sell non-journey based products (passes)</a:t>
-            </a:r>
-            <a:r>
-              <a:rPr lang="en-US" sz="1050" dirty="0">
-                <a:latin typeface="+mn-lt"/>
-                <a:cs typeface="Calibri" panose="020F0502020204030204" pitchFamily="34" charset="0"/>
+              <a:t>I-18 </a:t>
+            </a:r>
+            <a:r>
+              <a:rPr lang="de-CH" sz="1050" dirty="0" err="1">
+                <a:hlinkClick r:id="rId7"/>
               </a:rPr>
-              <a:t> (DB/</a:t>
-            </a:r>
-            <a:r>
-              <a:rPr lang="en-US" sz="1050" dirty="0" err="1">
-                <a:latin typeface="+mn-lt"/>
-                <a:cs typeface="Calibri" panose="020F0502020204030204" pitchFamily="34" charset="0"/>
+              <a:t>Combinations</a:t>
+            </a:r>
+            <a:r>
+              <a:rPr lang="de-CH" sz="1050" dirty="0">
+                <a:hlinkClick r:id="rId7"/>
               </a:rPr>
-              <a:t>öBB</a:t>
-            </a:r>
-            <a:r>
-              <a:rPr lang="en-US" sz="1050" dirty="0">
-                <a:latin typeface="+mn-lt"/>
-                <a:cs typeface="Calibri" panose="020F0502020204030204" pitchFamily="34" charset="0"/>
+              <a:t> </a:t>
+            </a:r>
+            <a:r>
+              <a:rPr lang="de-CH" sz="1050" dirty="0" err="1">
+                <a:hlinkClick r:id="rId7"/>
               </a:rPr>
-              <a:t>/SBB)</a:t>
+              <a:t>of</a:t>
+            </a:r>
+            <a:r>
+              <a:rPr lang="de-CH" sz="1050" dirty="0">
+                <a:hlinkClick r:id="rId7"/>
+              </a:rPr>
+              <a:t> </a:t>
+            </a:r>
+            <a:r>
+              <a:rPr lang="de-CH" sz="1050" dirty="0" err="1">
+                <a:hlinkClick r:id="rId7"/>
+              </a:rPr>
+              <a:t>tickets</a:t>
+            </a:r>
+            <a:r>
+              <a:rPr lang="de-CH" sz="1050" dirty="0">
+                <a:hlinkClick r:id="rId7"/>
+              </a:rPr>
+              <a:t> </a:t>
+            </a:r>
+            <a:r>
+              <a:rPr lang="de-CH" sz="1050" dirty="0" err="1">
+                <a:hlinkClick r:id="rId7"/>
+              </a:rPr>
+              <a:t>by</a:t>
+            </a:r>
+            <a:r>
+              <a:rPr lang="de-CH" sz="1050" dirty="0">
+                <a:hlinkClick r:id="rId7"/>
+              </a:rPr>
+              <a:t> </a:t>
+            </a:r>
+            <a:r>
+              <a:rPr lang="de-CH" sz="1050" dirty="0" err="1">
+                <a:hlinkClick r:id="rId7"/>
+              </a:rPr>
+              <a:t>distributors</a:t>
+            </a:r>
+            <a:r>
+              <a:rPr lang="de-CH" sz="1050" dirty="0"/>
+              <a:t> (SBB/Amadeus)</a:t>
             </a:r>
           </a:p>
           <a:p>
@@ -16170,20 +15933,49 @@
               <a:buChar char="•"/>
             </a:pPr>
             <a:r>
-              <a:rPr lang="en-US" sz="1050" dirty="0">
-                <a:latin typeface="+mn-lt"/>
-                <a:cs typeface="Calibri" panose="020F0502020204030204" pitchFamily="34" charset="0"/>
-                <a:hlinkClick r:id="rId7"/>
+              <a:rPr lang="de-CH" sz="1050" dirty="0">
+                <a:hlinkClick r:id="rId8"/>
               </a:rPr>
-              <a:t>I-18 Combinations of tickets by distributors</a:t>
-            </a:r>
-            <a:r>
-              <a:rPr lang="en-US" sz="1050" dirty="0">
-                <a:latin typeface="+mn-lt"/>
-                <a:cs typeface="Calibri" panose="020F0502020204030204" pitchFamily="34" charset="0"/>
+              <a:t>I-7 Add </a:t>
+            </a:r>
+            <a:r>
+              <a:rPr lang="de-CH" sz="1050" dirty="0" err="1">
+                <a:hlinkClick r:id="rId8"/>
               </a:rPr>
-              <a:t> (SBB/Amadeus)</a:t>
-            </a:r>
+              <a:t>full</a:t>
+            </a:r>
+            <a:r>
+              <a:rPr lang="de-CH" sz="1050" dirty="0">
+                <a:hlinkClick r:id="rId8"/>
+              </a:rPr>
+              <a:t> support </a:t>
+            </a:r>
+            <a:r>
+              <a:rPr lang="de-CH" sz="1050" dirty="0" err="1">
+                <a:hlinkClick r:id="rId8"/>
+              </a:rPr>
+              <a:t>for</a:t>
+            </a:r>
+            <a:r>
+              <a:rPr lang="de-CH" sz="1050" dirty="0">
+                <a:hlinkClick r:id="rId8"/>
+              </a:rPr>
+              <a:t> PRMs</a:t>
+            </a:r>
+            <a:r>
+              <a:rPr lang="de-CH" sz="1050" dirty="0"/>
+              <a:t> (CIT-Rail)</a:t>
+            </a:r>
+          </a:p>
+          <a:p>
+            <a:endParaRPr lang="de-CH" sz="1050" b="1" dirty="0"/>
+          </a:p>
+          <a:p>
+            <a:r>
+              <a:rPr lang="de-CH" sz="900" b="1" dirty="0" err="1"/>
+              <a:t>Enabler</a:t>
+            </a:r>
+            <a:endParaRPr lang="de-CH" sz="900" b="1" dirty="0"/>
           </a:p>
           <a:p>
             <a:pPr marL="171450" indent="-171450">
@@ -16191,55 +15983,51 @@
               <a:buChar char="•"/>
             </a:pPr>
             <a:r>
-              <a:rPr lang="en-US" sz="1050" dirty="0">
-                <a:latin typeface="+mn-lt"/>
-                <a:cs typeface="Calibri" panose="020F0502020204030204" pitchFamily="34" charset="0"/>
-                <a:hlinkClick r:id="rId8"/>
-              </a:rPr>
-              <a:t>I-19 Add support for tracing</a:t>
-            </a:r>
-            <a:r>
-              <a:rPr lang="en-US" sz="1050" dirty="0">
-                <a:latin typeface="+mn-lt"/>
-                <a:cs typeface="Calibri" panose="020F0502020204030204" pitchFamily="34" charset="0"/>
-              </a:rPr>
-              <a:t> (SBB)</a:t>
-            </a:r>
-          </a:p>
-          <a:p>
-            <a:pPr marL="171450" indent="-171450">
-              <a:buFont typeface="Arial" panose="020B0604020202020204" pitchFamily="34" charset="0"/>
-              <a:buChar char="•"/>
-            </a:pPr>
-            <a:r>
-              <a:rPr lang="en-US" sz="1050" dirty="0">
-                <a:latin typeface="+mn-lt"/>
-                <a:cs typeface="Calibri" panose="020F0502020204030204" pitchFamily="34" charset="0"/>
+              <a:rPr lang="de-CH" sz="1050" dirty="0">
                 <a:hlinkClick r:id="rId9"/>
               </a:rPr>
-              <a:t>I-28 Add support to query availabilities</a:t>
-            </a:r>
-            <a:r>
-              <a:rPr lang="en-US" sz="1050" dirty="0">
-                <a:latin typeface="+mn-lt"/>
-                <a:cs typeface="Calibri" panose="020F0502020204030204" pitchFamily="34" charset="0"/>
+              <a:t>I-19 Add support </a:t>
+            </a:r>
+            <a:r>
+              <a:rPr lang="de-CH" sz="1050" dirty="0" err="1">
+                <a:hlinkClick r:id="rId9"/>
               </a:rPr>
-              <a:t> (</a:t>
-            </a:r>
-            <a:r>
-              <a:rPr lang="en-US" sz="1050" dirty="0" err="1">
-                <a:latin typeface="+mn-lt"/>
-                <a:cs typeface="Calibri" panose="020F0502020204030204" pitchFamily="34" charset="0"/>
+              <a:t>for</a:t>
+            </a:r>
+            <a:r>
+              <a:rPr lang="de-CH" sz="1050" dirty="0">
+                <a:hlinkClick r:id="rId9"/>
               </a:rPr>
-              <a:t>Sqills</a:t>
-            </a:r>
-            <a:r>
-              <a:rPr lang="en-US" sz="1050" dirty="0">
-                <a:latin typeface="+mn-lt"/>
-                <a:cs typeface="Calibri" panose="020F0502020204030204" pitchFamily="34" charset="0"/>
+              <a:t> </a:t>
+            </a:r>
+            <a:r>
+              <a:rPr lang="de-CH" sz="1050" dirty="0" err="1">
+                <a:hlinkClick r:id="rId9"/>
               </a:rPr>
-              <a:t>/SBB/ÖBB/DB)</a:t>
-            </a:r>
+              <a:t>distributed</a:t>
+            </a:r>
+            <a:r>
+              <a:rPr lang="de-CH" sz="1050" dirty="0">
+                <a:hlinkClick r:id="rId9"/>
+              </a:rPr>
+              <a:t> </a:t>
+            </a:r>
+            <a:r>
+              <a:rPr lang="de-CH" sz="1050" dirty="0" err="1">
+                <a:hlinkClick r:id="rId9"/>
+              </a:rPr>
+              <a:t>tracing</a:t>
+            </a:r>
+            <a:r>
+              <a:rPr lang="de-CH" sz="1050" dirty="0"/>
+              <a:t> (SBB)</a:t>
+            </a:r>
+          </a:p>
+          <a:p>
+            <a:endParaRPr lang="en-US" sz="1050" b="1" dirty="0">
+              <a:latin typeface="+mn-lt"/>
+              <a:cs typeface="Calibri" panose="020F0502020204030204" pitchFamily="34" charset="0"/>
+            </a:endParaRPr>
           </a:p>
         </p:txBody>
       </p:sp>
